--- a/Presentations/REDIS CACHE.pptx
+++ b/Presentations/REDIS CACHE.pptx
@@ -7,8 +7,11 @@
   <p:sldIdLst>
     <p:sldId id="256" r:id="rId2"/>
     <p:sldId id="257" r:id="rId3"/>
-    <p:sldId id="258" r:id="rId4"/>
-    <p:sldId id="259" r:id="rId5"/>
+    <p:sldId id="260" r:id="rId4"/>
+    <p:sldId id="261" r:id="rId5"/>
+    <p:sldId id="262" r:id="rId6"/>
+    <p:sldId id="258" r:id="rId7"/>
+    <p:sldId id="259" r:id="rId8"/>
   </p:sldIdLst>
   <p:sldSz cx="12192000" cy="6858000"/>
   <p:notesSz cx="6858000" cy="9144000"/>
@@ -107,6 +110,11 @@
       </a:defRPr>
     </a:lvl9pPr>
   </p:defaultTextStyle>
+  <p:extLst>
+    <p:ext uri="{EFAFB233-063F-42B5-8137-9DF3F51BA10A}">
+      <p15:sldGuideLst xmlns:p15="http://schemas.microsoft.com/office/powerpoint/2012/main"/>
+    </p:ext>
+  </p:extLst>
 </p:presentation>
 </file>
 
@@ -259,7 +267,7 @@
           <a:p>
             <a:fld id="{A9577645-6F04-487C-9736-58265ED8A500}" type="datetimeFigureOut">
               <a:rPr lang="en-IN" smtClean="0"/>
-              <a:t>01-08-2022</a:t>
+              <a:t>03-08-2022</a:t>
             </a:fld>
             <a:endParaRPr lang="en-IN"/>
           </a:p>
@@ -459,7 +467,7 @@
           <a:p>
             <a:fld id="{A9577645-6F04-487C-9736-58265ED8A500}" type="datetimeFigureOut">
               <a:rPr lang="en-IN" smtClean="0"/>
-              <a:t>01-08-2022</a:t>
+              <a:t>03-08-2022</a:t>
             </a:fld>
             <a:endParaRPr lang="en-IN"/>
           </a:p>
@@ -669,7 +677,7 @@
           <a:p>
             <a:fld id="{A9577645-6F04-487C-9736-58265ED8A500}" type="datetimeFigureOut">
               <a:rPr lang="en-IN" smtClean="0"/>
-              <a:t>01-08-2022</a:t>
+              <a:t>03-08-2022</a:t>
             </a:fld>
             <a:endParaRPr lang="en-IN"/>
           </a:p>
@@ -869,7 +877,7 @@
           <a:p>
             <a:fld id="{A9577645-6F04-487C-9736-58265ED8A500}" type="datetimeFigureOut">
               <a:rPr lang="en-IN" smtClean="0"/>
-              <a:t>01-08-2022</a:t>
+              <a:t>03-08-2022</a:t>
             </a:fld>
             <a:endParaRPr lang="en-IN"/>
           </a:p>
@@ -1145,7 +1153,7 @@
           <a:p>
             <a:fld id="{A9577645-6F04-487C-9736-58265ED8A500}" type="datetimeFigureOut">
               <a:rPr lang="en-IN" smtClean="0"/>
-              <a:t>01-08-2022</a:t>
+              <a:t>03-08-2022</a:t>
             </a:fld>
             <a:endParaRPr lang="en-IN"/>
           </a:p>
@@ -1413,7 +1421,7 @@
           <a:p>
             <a:fld id="{A9577645-6F04-487C-9736-58265ED8A500}" type="datetimeFigureOut">
               <a:rPr lang="en-IN" smtClean="0"/>
-              <a:t>01-08-2022</a:t>
+              <a:t>03-08-2022</a:t>
             </a:fld>
             <a:endParaRPr lang="en-IN"/>
           </a:p>
@@ -1828,7 +1836,7 @@
           <a:p>
             <a:fld id="{A9577645-6F04-487C-9736-58265ED8A500}" type="datetimeFigureOut">
               <a:rPr lang="en-IN" smtClean="0"/>
-              <a:t>01-08-2022</a:t>
+              <a:t>03-08-2022</a:t>
             </a:fld>
             <a:endParaRPr lang="en-IN"/>
           </a:p>
@@ -1970,7 +1978,7 @@
           <a:p>
             <a:fld id="{A9577645-6F04-487C-9736-58265ED8A500}" type="datetimeFigureOut">
               <a:rPr lang="en-IN" smtClean="0"/>
-              <a:t>01-08-2022</a:t>
+              <a:t>03-08-2022</a:t>
             </a:fld>
             <a:endParaRPr lang="en-IN"/>
           </a:p>
@@ -2083,7 +2091,7 @@
           <a:p>
             <a:fld id="{A9577645-6F04-487C-9736-58265ED8A500}" type="datetimeFigureOut">
               <a:rPr lang="en-IN" smtClean="0"/>
-              <a:t>01-08-2022</a:t>
+              <a:t>03-08-2022</a:t>
             </a:fld>
             <a:endParaRPr lang="en-IN"/>
           </a:p>
@@ -2396,7 +2404,7 @@
           <a:p>
             <a:fld id="{A9577645-6F04-487C-9736-58265ED8A500}" type="datetimeFigureOut">
               <a:rPr lang="en-IN" smtClean="0"/>
-              <a:t>01-08-2022</a:t>
+              <a:t>03-08-2022</a:t>
             </a:fld>
             <a:endParaRPr lang="en-IN"/>
           </a:p>
@@ -2685,7 +2693,7 @@
           <a:p>
             <a:fld id="{A9577645-6F04-487C-9736-58265ED8A500}" type="datetimeFigureOut">
               <a:rPr lang="en-IN" smtClean="0"/>
-              <a:t>01-08-2022</a:t>
+              <a:t>03-08-2022</a:t>
             </a:fld>
             <a:endParaRPr lang="en-IN"/>
           </a:p>
@@ -2928,7 +2936,7 @@
           <a:p>
             <a:fld id="{A9577645-6F04-487C-9736-58265ED8A500}" type="datetimeFigureOut">
               <a:rPr lang="en-IN" smtClean="0"/>
-              <a:t>01-08-2022</a:t>
+              <a:t>03-08-2022</a:t>
             </a:fld>
             <a:endParaRPr lang="en-IN"/>
           </a:p>
@@ -3477,35 +3485,7 @@
                 <a:effectLst/>
                 <a:latin typeface="Helvetica" panose="020B0604020202020204" pitchFamily="34" charset="0"/>
               </a:rPr>
-              <a:t>Redis stands for </a:t>
-            </a:r>
-            <a:r>
-              <a:rPr lang="en-US" sz="2400" b="0" i="0" dirty="0" err="1">
-                <a:effectLst/>
-                <a:latin typeface="Helvetica" panose="020B0604020202020204" pitchFamily="34" charset="0"/>
-              </a:rPr>
-              <a:t>REmote</a:t>
-            </a:r>
-            <a:r>
-              <a:rPr lang="en-US" sz="2400" b="0" i="0" dirty="0">
-                <a:effectLst/>
-                <a:latin typeface="Helvetica" panose="020B0604020202020204" pitchFamily="34" charset="0"/>
-              </a:rPr>
-              <a:t> </a:t>
-            </a:r>
-            <a:r>
-              <a:rPr lang="en-US" sz="2400" b="0" i="0" dirty="0" err="1">
-                <a:effectLst/>
-                <a:latin typeface="Helvetica" panose="020B0604020202020204" pitchFamily="34" charset="0"/>
-              </a:rPr>
-              <a:t>DIctionary</a:t>
-            </a:r>
-            <a:r>
-              <a:rPr lang="en-US" sz="2400" b="0" i="0" dirty="0">
-                <a:effectLst/>
-                <a:latin typeface="Helvetica" panose="020B0604020202020204" pitchFamily="34" charset="0"/>
-              </a:rPr>
-              <a:t> Server.</a:t>
+              <a:t>Redis stands for REmote DIctionary Server.</a:t>
             </a:r>
             <a:endParaRPr lang="en-US" sz="2400" dirty="0">
               <a:solidFill>
@@ -3686,6 +3666,353 @@
           <a:chExt cx="0" cy="0"/>
         </a:xfrm>
       </p:grpSpPr>
+      <p:pic>
+        <p:nvPicPr>
+          <p:cNvPr id="3" name="Picture 2">
+            <a:extLst>
+              <a:ext uri="{FF2B5EF4-FFF2-40B4-BE49-F238E27FC236}">
+                <a16:creationId xmlns:a16="http://schemas.microsoft.com/office/drawing/2014/main" id="{71D57ABE-55C6-485C-B4D2-E89A830310CD}"/>
+              </a:ext>
+            </a:extLst>
+          </p:cNvPr>
+          <p:cNvPicPr>
+            <a:picLocks noChangeAspect="1"/>
+          </p:cNvPicPr>
+          <p:nvPr/>
+        </p:nvPicPr>
+        <p:blipFill>
+          <a:blip r:embed="rId2">
+            <a:extLst>
+              <a:ext uri="{28A0092B-C50C-407E-A947-70E740481C1C}">
+                <a14:useLocalDpi xmlns:a14="http://schemas.microsoft.com/office/drawing/2010/main" val="0"/>
+              </a:ext>
+            </a:extLst>
+          </a:blip>
+          <a:stretch>
+            <a:fillRect/>
+          </a:stretch>
+        </p:blipFill>
+        <p:spPr>
+          <a:xfrm>
+            <a:off x="2285132" y="488280"/>
+            <a:ext cx="7621736" cy="5881440"/>
+          </a:xfrm>
+          <a:prstGeom prst="rect">
+            <a:avLst/>
+          </a:prstGeom>
+        </p:spPr>
+      </p:pic>
+    </p:spTree>
+    <p:extLst>
+      <p:ext uri="{BB962C8B-B14F-4D97-AF65-F5344CB8AC3E}">
+        <p14:creationId xmlns:p14="http://schemas.microsoft.com/office/powerpoint/2010/main" val="3987452876"/>
+      </p:ext>
+    </p:extLst>
+  </p:cSld>
+  <p:clrMapOvr>
+    <a:masterClrMapping/>
+  </p:clrMapOvr>
+</p:sld>
+</file>
+
+<file path=ppt/slides/slide4.xml><?xml version="1.0" encoding="utf-8"?>
+<p:sld xmlns:a="http://schemas.openxmlformats.org/drawingml/2006/main" xmlns:r="http://schemas.openxmlformats.org/officeDocument/2006/relationships" xmlns:p="http://schemas.openxmlformats.org/presentationml/2006/main">
+  <p:cSld>
+    <p:spTree>
+      <p:nvGrpSpPr>
+        <p:cNvPr id="1" name=""/>
+        <p:cNvGrpSpPr/>
+        <p:nvPr/>
+      </p:nvGrpSpPr>
+      <p:grpSpPr>
+        <a:xfrm>
+          <a:off x="0" y="0"/>
+          <a:ext cx="0" cy="0"/>
+          <a:chOff x="0" y="0"/>
+          <a:chExt cx="0" cy="0"/>
+        </a:xfrm>
+      </p:grpSpPr>
+      <p:pic>
+        <p:nvPicPr>
+          <p:cNvPr id="3" name="Picture 2">
+            <a:extLst>
+              <a:ext uri="{FF2B5EF4-FFF2-40B4-BE49-F238E27FC236}">
+                <a16:creationId xmlns:a16="http://schemas.microsoft.com/office/drawing/2014/main" id="{B16A394C-D725-4660-9B68-8D49D4D954E1}"/>
+              </a:ext>
+            </a:extLst>
+          </p:cNvPr>
+          <p:cNvPicPr>
+            <a:picLocks noChangeAspect="1"/>
+          </p:cNvPicPr>
+          <p:nvPr/>
+        </p:nvPicPr>
+        <p:blipFill>
+          <a:blip r:embed="rId2">
+            <a:extLst>
+              <a:ext uri="{28A0092B-C50C-407E-A947-70E740481C1C}">
+                <a14:useLocalDpi xmlns:a14="http://schemas.microsoft.com/office/drawing/2010/main" val="0"/>
+              </a:ext>
+            </a:extLst>
+          </a:blip>
+          <a:stretch>
+            <a:fillRect/>
+          </a:stretch>
+        </p:blipFill>
+        <p:spPr>
+          <a:xfrm>
+            <a:off x="876300" y="653142"/>
+            <a:ext cx="10439400" cy="6018167"/>
+          </a:xfrm>
+          <a:prstGeom prst="rect">
+            <a:avLst/>
+          </a:prstGeom>
+        </p:spPr>
+      </p:pic>
+      <p:sp>
+        <p:nvSpPr>
+          <p:cNvPr id="4" name="TextBox 3">
+            <a:extLst>
+              <a:ext uri="{FF2B5EF4-FFF2-40B4-BE49-F238E27FC236}">
+                <a16:creationId xmlns:a16="http://schemas.microsoft.com/office/drawing/2014/main" id="{C9AD59DF-CC24-453D-97A2-CED2C6D418B6}"/>
+              </a:ext>
+            </a:extLst>
+          </p:cNvPr>
+          <p:cNvSpPr txBox="1"/>
+          <p:nvPr/>
+        </p:nvSpPr>
+        <p:spPr>
+          <a:xfrm>
+            <a:off x="102637" y="92678"/>
+            <a:ext cx="5561045" cy="523220"/>
+          </a:xfrm>
+          <a:prstGeom prst="rect">
+            <a:avLst/>
+          </a:prstGeom>
+          <a:noFill/>
+        </p:spPr>
+        <p:txBody>
+          <a:bodyPr wrap="square" rtlCol="0">
+            <a:spAutoFit/>
+          </a:bodyPr>
+          <a:lstStyle/>
+          <a:p>
+            <a:r>
+              <a:rPr lang="en-IN" sz="2800" b="1" u="sng" dirty="0">
+                <a:solidFill>
+                  <a:srgbClr val="FF0000"/>
+                </a:solidFill>
+              </a:rPr>
+              <a:t>REDIS CACHE CONFIGURATION</a:t>
+            </a:r>
+            <a:r>
+              <a:rPr lang="en-IN" sz="2800" b="1" dirty="0"/>
+              <a:t>:</a:t>
+            </a:r>
+          </a:p>
+        </p:txBody>
+      </p:sp>
+    </p:spTree>
+    <p:extLst>
+      <p:ext uri="{BB962C8B-B14F-4D97-AF65-F5344CB8AC3E}">
+        <p14:creationId xmlns:p14="http://schemas.microsoft.com/office/powerpoint/2010/main" val="756748841"/>
+      </p:ext>
+    </p:extLst>
+  </p:cSld>
+  <p:clrMapOvr>
+    <a:masterClrMapping/>
+  </p:clrMapOvr>
+</p:sld>
+</file>
+
+<file path=ppt/slides/slide5.xml><?xml version="1.0" encoding="utf-8"?>
+<p:sld xmlns:a="http://schemas.openxmlformats.org/drawingml/2006/main" xmlns:r="http://schemas.openxmlformats.org/officeDocument/2006/relationships" xmlns:p="http://schemas.openxmlformats.org/presentationml/2006/main">
+  <p:cSld>
+    <p:spTree>
+      <p:nvGrpSpPr>
+        <p:cNvPr id="1" name=""/>
+        <p:cNvGrpSpPr/>
+        <p:nvPr/>
+      </p:nvGrpSpPr>
+      <p:grpSpPr>
+        <a:xfrm>
+          <a:off x="0" y="0"/>
+          <a:ext cx="0" cy="0"/>
+          <a:chOff x="0" y="0"/>
+          <a:chExt cx="0" cy="0"/>
+        </a:xfrm>
+      </p:grpSpPr>
+      <p:pic>
+        <p:nvPicPr>
+          <p:cNvPr id="3" name="Picture 2">
+            <a:extLst>
+              <a:ext uri="{FF2B5EF4-FFF2-40B4-BE49-F238E27FC236}">
+                <a16:creationId xmlns:a16="http://schemas.microsoft.com/office/drawing/2014/main" id="{4B3F5516-18D3-4809-808D-4192D75D5EAE}"/>
+              </a:ext>
+            </a:extLst>
+          </p:cNvPr>
+          <p:cNvPicPr>
+            <a:picLocks noChangeAspect="1"/>
+          </p:cNvPicPr>
+          <p:nvPr/>
+        </p:nvPicPr>
+        <p:blipFill>
+          <a:blip r:embed="rId2">
+            <a:extLst>
+              <a:ext uri="{28A0092B-C50C-407E-A947-70E740481C1C}">
+                <a14:useLocalDpi xmlns:a14="http://schemas.microsoft.com/office/drawing/2010/main" val="0"/>
+              </a:ext>
+            </a:extLst>
+          </a:blip>
+          <a:stretch>
+            <a:fillRect/>
+          </a:stretch>
+        </p:blipFill>
+        <p:spPr>
+          <a:xfrm>
+            <a:off x="158621" y="658819"/>
+            <a:ext cx="4394720" cy="1927860"/>
+          </a:xfrm>
+          <a:prstGeom prst="rect">
+            <a:avLst/>
+          </a:prstGeom>
+        </p:spPr>
+      </p:pic>
+      <p:pic>
+        <p:nvPicPr>
+          <p:cNvPr id="5" name="Picture 4">
+            <a:extLst>
+              <a:ext uri="{FF2B5EF4-FFF2-40B4-BE49-F238E27FC236}">
+                <a16:creationId xmlns:a16="http://schemas.microsoft.com/office/drawing/2014/main" id="{C458CD3B-B128-4E27-9235-08EFFC58E6D7}"/>
+              </a:ext>
+            </a:extLst>
+          </p:cNvPr>
+          <p:cNvPicPr>
+            <a:picLocks noChangeAspect="1"/>
+          </p:cNvPicPr>
+          <p:nvPr/>
+        </p:nvPicPr>
+        <p:blipFill>
+          <a:blip r:embed="rId3">
+            <a:extLst>
+              <a:ext uri="{28A0092B-C50C-407E-A947-70E740481C1C}">
+                <a14:useLocalDpi xmlns:a14="http://schemas.microsoft.com/office/drawing/2010/main" val="0"/>
+              </a:ext>
+            </a:extLst>
+          </a:blip>
+          <a:stretch>
+            <a:fillRect/>
+          </a:stretch>
+        </p:blipFill>
+        <p:spPr>
+          <a:xfrm>
+            <a:off x="4674638" y="658819"/>
+            <a:ext cx="7424056" cy="6118860"/>
+          </a:xfrm>
+          <a:prstGeom prst="rect">
+            <a:avLst/>
+          </a:prstGeom>
+        </p:spPr>
+      </p:pic>
+      <p:sp>
+        <p:nvSpPr>
+          <p:cNvPr id="6" name="TextBox 5">
+            <a:extLst>
+              <a:ext uri="{FF2B5EF4-FFF2-40B4-BE49-F238E27FC236}">
+                <a16:creationId xmlns:a16="http://schemas.microsoft.com/office/drawing/2014/main" id="{2905385B-68CB-43A0-A15C-FE408A9087C4}"/>
+              </a:ext>
+            </a:extLst>
+          </p:cNvPr>
+          <p:cNvSpPr txBox="1"/>
+          <p:nvPr/>
+        </p:nvSpPr>
+        <p:spPr>
+          <a:xfrm>
+            <a:off x="93306" y="111967"/>
+            <a:ext cx="3657599" cy="461665"/>
+          </a:xfrm>
+          <a:prstGeom prst="rect">
+            <a:avLst/>
+          </a:prstGeom>
+          <a:noFill/>
+        </p:spPr>
+        <p:txBody>
+          <a:bodyPr wrap="square" rtlCol="0">
+            <a:spAutoFit/>
+          </a:bodyPr>
+          <a:lstStyle/>
+          <a:p>
+            <a:r>
+              <a:rPr lang="en-IN" sz="2400" u="sng" dirty="0"/>
+              <a:t>DEPENDENCY INJECTION:</a:t>
+            </a:r>
+          </a:p>
+        </p:txBody>
+      </p:sp>
+      <p:sp>
+        <p:nvSpPr>
+          <p:cNvPr id="9" name="TextBox 8">
+            <a:extLst>
+              <a:ext uri="{FF2B5EF4-FFF2-40B4-BE49-F238E27FC236}">
+                <a16:creationId xmlns:a16="http://schemas.microsoft.com/office/drawing/2014/main" id="{F0634241-DC3D-43E4-8500-70DA54250E85}"/>
+              </a:ext>
+            </a:extLst>
+          </p:cNvPr>
+          <p:cNvSpPr txBox="1"/>
+          <p:nvPr/>
+        </p:nvSpPr>
+        <p:spPr>
+          <a:xfrm>
+            <a:off x="4674638" y="111967"/>
+            <a:ext cx="5281125" cy="461665"/>
+          </a:xfrm>
+          <a:prstGeom prst="rect">
+            <a:avLst/>
+          </a:prstGeom>
+          <a:noFill/>
+        </p:spPr>
+        <p:txBody>
+          <a:bodyPr wrap="square" rtlCol="0">
+            <a:spAutoFit/>
+          </a:bodyPr>
+          <a:lstStyle/>
+          <a:p>
+            <a:r>
+              <a:rPr lang="en-IN" sz="2400" u="sng" dirty="0"/>
+              <a:t>REDIS TEMPLATE IMPLEMENTATION:</a:t>
+            </a:r>
+          </a:p>
+        </p:txBody>
+      </p:sp>
+    </p:spTree>
+    <p:extLst>
+      <p:ext uri="{BB962C8B-B14F-4D97-AF65-F5344CB8AC3E}">
+        <p14:creationId xmlns:p14="http://schemas.microsoft.com/office/powerpoint/2010/main" val="561739988"/>
+      </p:ext>
+    </p:extLst>
+  </p:cSld>
+  <p:clrMapOvr>
+    <a:masterClrMapping/>
+  </p:clrMapOvr>
+</p:sld>
+</file>
+
+<file path=ppt/slides/slide6.xml><?xml version="1.0" encoding="utf-8"?>
+<p:sld xmlns:a="http://schemas.openxmlformats.org/drawingml/2006/main" xmlns:r="http://schemas.openxmlformats.org/officeDocument/2006/relationships" xmlns:p="http://schemas.openxmlformats.org/presentationml/2006/main">
+  <p:cSld>
+    <p:spTree>
+      <p:nvGrpSpPr>
+        <p:cNvPr id="1" name=""/>
+        <p:cNvGrpSpPr/>
+        <p:nvPr/>
+      </p:nvGrpSpPr>
+      <p:grpSpPr>
+        <a:xfrm>
+          <a:off x="0" y="0"/>
+          <a:ext cx="0" cy="0"/>
+          <a:chOff x="0" y="0"/>
+          <a:chExt cx="0" cy="0"/>
+        </a:xfrm>
+      </p:grpSpPr>
       <p:sp>
         <p:nvSpPr>
           <p:cNvPr id="3" name="Content Placeholder 2">
@@ -3709,7 +4036,9 @@
           </a:xfrm>
         </p:spPr>
         <p:txBody>
-          <a:bodyPr/>
+          <a:bodyPr>
+            <a:normAutofit fontScale="92500" lnSpcReduction="10000"/>
+          </a:bodyPr>
           <a:lstStyle/>
           <a:p>
             <a:pPr marL="0" indent="0">
@@ -3766,18 +4095,148 @@
                 <a:effectLst/>
                 <a:latin typeface="Source Code Pro" panose="020B0509030403020204" pitchFamily="49" charset="0"/>
               </a:rPr>
+              <a:t> RedisCacheConfiguration </a:t>
+            </a:r>
+            <a:r>
+              <a:rPr lang="en-IN" sz="1800" b="1" i="0" dirty="0">
+                <a:solidFill>
+                  <a:srgbClr val="267438"/>
+                </a:solidFill>
+                <a:effectLst/>
+                <a:latin typeface="Source Code Pro" panose="020B0509030403020204" pitchFamily="49" charset="0"/>
+              </a:rPr>
+              <a:t>cacheConfiguration</a:t>
+            </a:r>
+            <a:r>
+              <a:rPr lang="en-IN" sz="1800" b="0" i="0" dirty="0">
+                <a:solidFill>
+                  <a:srgbClr val="000000"/>
+                </a:solidFill>
+                <a:effectLst/>
+                <a:latin typeface="Source Code Pro" panose="020B0509030403020204" pitchFamily="49" charset="0"/>
+              </a:rPr>
+              <a:t>() { </a:t>
+            </a:r>
+          </a:p>
+          <a:p>
+            <a:pPr marL="0" indent="0">
+              <a:buNone/>
+            </a:pPr>
+            <a:r>
+              <a:rPr lang="en-IN" sz="1800" b="1" i="0" dirty="0">
+                <a:solidFill>
+                  <a:srgbClr val="63B175"/>
+                </a:solidFill>
+                <a:effectLst/>
+                <a:latin typeface="Source Code Pro" panose="020B0509030403020204" pitchFamily="49" charset="0"/>
+              </a:rPr>
+              <a:t>Return </a:t>
+            </a:r>
+            <a:r>
+              <a:rPr lang="en-IN" sz="1800" b="0" i="0" dirty="0">
+                <a:solidFill>
+                  <a:srgbClr val="000000"/>
+                </a:solidFill>
+                <a:effectLst/>
+                <a:latin typeface="Source Code Pro" panose="020B0509030403020204" pitchFamily="49" charset="0"/>
+              </a:rPr>
+              <a:t>RedisCacheConfiguration.defaultCacheConfig()</a:t>
+            </a:r>
+          </a:p>
+          <a:p>
+            <a:pPr marL="0" indent="0">
+              <a:buNone/>
+            </a:pPr>
+            <a:r>
+              <a:rPr lang="en-IN" sz="1800" b="0" i="0" dirty="0">
+                <a:solidFill>
+                  <a:srgbClr val="000000"/>
+                </a:solidFill>
+                <a:effectLst/>
+                <a:latin typeface="Source Code Pro" panose="020B0509030403020204" pitchFamily="49" charset="0"/>
+              </a:rPr>
+              <a:t>.entryTtl(Duration.ofMinutes(</a:t>
+            </a:r>
+            <a:r>
+              <a:rPr lang="en-IN" sz="1800" b="0" i="0" dirty="0">
+                <a:solidFill>
+                  <a:srgbClr val="4E9359"/>
+                </a:solidFill>
+                <a:effectLst/>
+                <a:latin typeface="Source Code Pro" panose="020B0509030403020204" pitchFamily="49" charset="0"/>
+              </a:rPr>
+              <a:t>60</a:t>
+            </a:r>
+            <a:r>
+              <a:rPr lang="en-IN" sz="1800" b="0" i="0" dirty="0">
+                <a:solidFill>
+                  <a:srgbClr val="000000"/>
+                </a:solidFill>
+                <a:effectLst/>
+                <a:latin typeface="Source Code Pro" panose="020B0509030403020204" pitchFamily="49" charset="0"/>
+              </a:rPr>
+              <a:t>)) .disableCachingNullValues().serializeValuesWith(</a:t>
+            </a:r>
+          </a:p>
+          <a:p>
+            <a:pPr marL="0" indent="0">
+              <a:buNone/>
+            </a:pPr>
+            <a:r>
+              <a:rPr lang="en-IN" sz="1800" b="0" i="0" dirty="0">
+                <a:solidFill>
+                  <a:srgbClr val="000000"/>
+                </a:solidFill>
+                <a:effectLst/>
+                <a:latin typeface="Source Code Pro" panose="020B0509030403020204" pitchFamily="49" charset="0"/>
+              </a:rPr>
+              <a:t>SerializationPair.fromSerializer(</a:t>
+            </a:r>
+            <a:r>
+              <a:rPr lang="en-IN" sz="1800" b="1" i="0" dirty="0">
+                <a:solidFill>
+                  <a:srgbClr val="63B175"/>
+                </a:solidFill>
+                <a:effectLst/>
+                <a:latin typeface="Source Code Pro" panose="020B0509030403020204" pitchFamily="49" charset="0"/>
+              </a:rPr>
+              <a:t>new</a:t>
+            </a:r>
+            <a:r>
+              <a:rPr lang="en-IN" sz="1800" b="0" i="0" dirty="0">
+                <a:solidFill>
+                  <a:srgbClr val="000000"/>
+                </a:solidFill>
+                <a:effectLst/>
+                <a:latin typeface="Source Code Pro" panose="020B0509030403020204" pitchFamily="49" charset="0"/>
+              </a:rPr>
               <a:t> </a:t>
             </a:r>
             <a:r>
-              <a:rPr lang="en-IN" sz="1800" b="0" i="0" dirty="0" err="1">
+              <a:rPr lang="en-IN" sz="1800" b="1" i="0" dirty="0">
+                <a:solidFill>
+                  <a:srgbClr val="267438"/>
+                </a:solidFill>
+                <a:effectLst/>
+                <a:latin typeface="Source Code Pro" panose="020B0509030403020204" pitchFamily="49" charset="0"/>
+              </a:rPr>
+              <a:t>GenericJackson2JsonRedisSerializer</a:t>
+            </a:r>
+            <a:r>
+              <a:rPr lang="en-IN" sz="1800" b="0" i="0" dirty="0">
                 <a:solidFill>
                   <a:srgbClr val="000000"/>
                 </a:solidFill>
                 <a:effectLst/>
                 <a:latin typeface="Source Code Pro" panose="020B0509030403020204" pitchFamily="49" charset="0"/>
               </a:rPr>
-              <a:t>RedisCacheConfiguration</a:t>
-            </a:r>
+              <a:t>()));</a:t>
+            </a:r>
+          </a:p>
+          <a:p>
+            <a:pPr marL="0" indent="0">
+              <a:buNone/>
+            </a:pPr>
             <a:r>
               <a:rPr lang="en-IN" sz="1800" b="0" i="0" dirty="0">
                 <a:solidFill>
@@ -3786,247 +4245,7 @@
                 <a:effectLst/>
                 <a:latin typeface="Source Code Pro" panose="020B0509030403020204" pitchFamily="49" charset="0"/>
               </a:rPr>
-              <a:t> </a:t>
-            </a:r>
-            <a:r>
-              <a:rPr lang="en-IN" sz="1800" b="1" i="0" dirty="0" err="1">
-                <a:solidFill>
-                  <a:srgbClr val="267438"/>
-                </a:solidFill>
-                <a:effectLst/>
-                <a:latin typeface="Source Code Pro" panose="020B0509030403020204" pitchFamily="49" charset="0"/>
-              </a:rPr>
-              <a:t>cacheConfiguration</a:t>
-            </a:r>
-            <a:r>
-              <a:rPr lang="en-IN" sz="1800" b="0" i="0" dirty="0">
-                <a:solidFill>
-                  <a:srgbClr val="000000"/>
-                </a:solidFill>
-                <a:effectLst/>
-                <a:latin typeface="Source Code Pro" panose="020B0509030403020204" pitchFamily="49" charset="0"/>
-              </a:rPr>
-              <a:t>() { </a:t>
-            </a:r>
-          </a:p>
-          <a:p>
-            <a:pPr marL="0" indent="0">
-              <a:buNone/>
-            </a:pPr>
-            <a:r>
-              <a:rPr lang="en-IN" sz="1800" b="1" i="0" dirty="0">
-                <a:solidFill>
-                  <a:srgbClr val="63B175"/>
-                </a:solidFill>
-                <a:effectLst/>
-                <a:latin typeface="Source Code Pro" panose="020B0509030403020204" pitchFamily="49" charset="0"/>
-              </a:rPr>
-              <a:t>return</a:t>
-            </a:r>
-            <a:r>
-              <a:rPr lang="en-IN" sz="1800" b="0" i="0" dirty="0">
-                <a:solidFill>
-                  <a:srgbClr val="000000"/>
-                </a:solidFill>
-                <a:effectLst/>
-                <a:latin typeface="Source Code Pro" panose="020B0509030403020204" pitchFamily="49" charset="0"/>
-              </a:rPr>
-              <a:t> </a:t>
-            </a:r>
-            <a:r>
-              <a:rPr lang="en-IN" sz="1800" b="0" i="0" dirty="0" err="1">
-                <a:solidFill>
-                  <a:srgbClr val="000000"/>
-                </a:solidFill>
-                <a:effectLst/>
-                <a:latin typeface="Source Code Pro" panose="020B0509030403020204" pitchFamily="49" charset="0"/>
-              </a:rPr>
-              <a:t>RedisCacheConfiguration.defaultCacheConfig</a:t>
-            </a:r>
-            <a:r>
-              <a:rPr lang="en-IN" sz="1800" b="0" i="0" dirty="0">
-                <a:solidFill>
-                  <a:srgbClr val="000000"/>
-                </a:solidFill>
-                <a:effectLst/>
-                <a:latin typeface="Source Code Pro" panose="020B0509030403020204" pitchFamily="49" charset="0"/>
-              </a:rPr>
-              <a:t>().</a:t>
-            </a:r>
-            <a:r>
-              <a:rPr lang="en-IN" sz="1800" b="0" i="0" dirty="0" err="1">
-                <a:solidFill>
-                  <a:srgbClr val="000000"/>
-                </a:solidFill>
-                <a:effectLst/>
-                <a:latin typeface="Source Code Pro" panose="020B0509030403020204" pitchFamily="49" charset="0"/>
-              </a:rPr>
-              <a:t>entryTtl</a:t>
-            </a:r>
-            <a:r>
-              <a:rPr lang="en-IN" sz="1800" b="0" i="0" dirty="0">
-                <a:solidFill>
-                  <a:srgbClr val="000000"/>
-                </a:solidFill>
-                <a:effectLst/>
-                <a:latin typeface="Source Code Pro" panose="020B0509030403020204" pitchFamily="49" charset="0"/>
-              </a:rPr>
-              <a:t>(</a:t>
-            </a:r>
-            <a:r>
-              <a:rPr lang="en-IN" sz="1800" b="0" i="0" dirty="0" err="1">
-                <a:solidFill>
-                  <a:srgbClr val="000000"/>
-                </a:solidFill>
-                <a:effectLst/>
-                <a:latin typeface="Source Code Pro" panose="020B0509030403020204" pitchFamily="49" charset="0"/>
-              </a:rPr>
-              <a:t>Duration.ofMinutes</a:t>
-            </a:r>
-            <a:r>
-              <a:rPr lang="en-IN" sz="1800" b="0" i="0" dirty="0">
-                <a:solidFill>
-                  <a:srgbClr val="000000"/>
-                </a:solidFill>
-                <a:effectLst/>
-                <a:latin typeface="Source Code Pro" panose="020B0509030403020204" pitchFamily="49" charset="0"/>
-              </a:rPr>
-              <a:t>(</a:t>
-            </a:r>
-            <a:r>
-              <a:rPr lang="en-IN" sz="1800" b="0" i="0" dirty="0">
-                <a:solidFill>
-                  <a:srgbClr val="4E9359"/>
-                </a:solidFill>
-                <a:effectLst/>
-                <a:latin typeface="Source Code Pro" panose="020B0509030403020204" pitchFamily="49" charset="0"/>
-              </a:rPr>
-              <a:t>60</a:t>
-            </a:r>
-            <a:r>
-              <a:rPr lang="en-IN" sz="1800" b="0" i="0" dirty="0">
-                <a:solidFill>
-                  <a:srgbClr val="000000"/>
-                </a:solidFill>
-                <a:effectLst/>
-                <a:latin typeface="Source Code Pro" panose="020B0509030403020204" pitchFamily="49" charset="0"/>
-              </a:rPr>
-              <a:t>)) .</a:t>
-            </a:r>
-            <a:r>
-              <a:rPr lang="en-IN" sz="1800" b="0" i="0" dirty="0" err="1">
-                <a:solidFill>
-                  <a:srgbClr val="000000"/>
-                </a:solidFill>
-                <a:effectLst/>
-                <a:latin typeface="Source Code Pro" panose="020B0509030403020204" pitchFamily="49" charset="0"/>
-              </a:rPr>
-              <a:t>disableCachingNullValues</a:t>
-            </a:r>
-            <a:r>
-              <a:rPr lang="en-IN" sz="1800" b="0" i="0" dirty="0">
-                <a:solidFill>
-                  <a:srgbClr val="000000"/>
-                </a:solidFill>
-                <a:effectLst/>
-                <a:latin typeface="Source Code Pro" panose="020B0509030403020204" pitchFamily="49" charset="0"/>
-              </a:rPr>
-              <a:t>()</a:t>
-            </a:r>
-          </a:p>
-          <a:p>
-            <a:pPr marL="0" indent="0">
-              <a:buNone/>
-            </a:pPr>
-            <a:r>
-              <a:rPr lang="en-IN" sz="1800" b="0" i="0" dirty="0">
-                <a:solidFill>
-                  <a:srgbClr val="000000"/>
-                </a:solidFill>
-                <a:effectLst/>
-                <a:latin typeface="Source Code Pro" panose="020B0509030403020204" pitchFamily="49" charset="0"/>
-              </a:rPr>
-              <a:t>.</a:t>
-            </a:r>
-            <a:r>
-              <a:rPr lang="en-IN" sz="1800" b="0" i="0" dirty="0" err="1">
-                <a:solidFill>
-                  <a:srgbClr val="000000"/>
-                </a:solidFill>
-                <a:effectLst/>
-                <a:latin typeface="Source Code Pro" panose="020B0509030403020204" pitchFamily="49" charset="0"/>
-              </a:rPr>
-              <a:t>serializeValuesWith</a:t>
-            </a:r>
-            <a:r>
-              <a:rPr lang="en-IN" sz="1800" b="0" i="0" dirty="0">
-                <a:solidFill>
-                  <a:srgbClr val="000000"/>
-                </a:solidFill>
-                <a:effectLst/>
-                <a:latin typeface="Source Code Pro" panose="020B0509030403020204" pitchFamily="49" charset="0"/>
-              </a:rPr>
-              <a:t>(</a:t>
-            </a:r>
-            <a:r>
-              <a:rPr lang="en-IN" sz="1800" b="0" i="0" dirty="0" err="1">
-                <a:solidFill>
-                  <a:srgbClr val="000000"/>
-                </a:solidFill>
-                <a:effectLst/>
-                <a:latin typeface="Source Code Pro" panose="020B0509030403020204" pitchFamily="49" charset="0"/>
-              </a:rPr>
-              <a:t>SerializationPair.fromSerializer</a:t>
-            </a:r>
-            <a:r>
-              <a:rPr lang="en-IN" sz="1800" b="0" i="0" dirty="0">
-                <a:solidFill>
-                  <a:srgbClr val="000000"/>
-                </a:solidFill>
-                <a:effectLst/>
-                <a:latin typeface="Source Code Pro" panose="020B0509030403020204" pitchFamily="49" charset="0"/>
-              </a:rPr>
-              <a:t>(</a:t>
-            </a:r>
-            <a:r>
-              <a:rPr lang="en-IN" sz="1800" b="1" i="0" dirty="0">
-                <a:solidFill>
-                  <a:srgbClr val="63B175"/>
-                </a:solidFill>
-                <a:effectLst/>
-                <a:latin typeface="Source Code Pro" panose="020B0509030403020204" pitchFamily="49" charset="0"/>
-              </a:rPr>
-              <a:t>new</a:t>
-            </a:r>
-            <a:r>
-              <a:rPr lang="en-IN" sz="1800" b="0" i="0" dirty="0">
-                <a:solidFill>
-                  <a:srgbClr val="000000"/>
-                </a:solidFill>
-                <a:effectLst/>
-                <a:latin typeface="Source Code Pro" panose="020B0509030403020204" pitchFamily="49" charset="0"/>
-              </a:rPr>
-              <a:t> </a:t>
-            </a:r>
-            <a:r>
-              <a:rPr lang="en-IN" sz="1800" b="1" i="0" dirty="0">
-                <a:solidFill>
-                  <a:srgbClr val="267438"/>
-                </a:solidFill>
-                <a:effectLst/>
-                <a:latin typeface="Source Code Pro" panose="020B0509030403020204" pitchFamily="49" charset="0"/>
-              </a:rPr>
-              <a:t>GenericJackson2JsonRedisSerializer</a:t>
-            </a:r>
-            <a:r>
-              <a:rPr lang="en-IN" sz="1800" b="0" i="0" dirty="0">
-                <a:solidFill>
-                  <a:srgbClr val="000000"/>
-                </a:solidFill>
-                <a:effectLst/>
-                <a:latin typeface="Source Code Pro" panose="020B0509030403020204" pitchFamily="49" charset="0"/>
-              </a:rPr>
-              <a:t>())); }</a:t>
+              <a:t> }</a:t>
             </a:r>
           </a:p>
           <a:p>
@@ -4096,17 +4315,107 @@
                 <a:effectLst/>
                 <a:latin typeface="Source Code Pro" panose="020B0509030403020204" pitchFamily="49" charset="0"/>
               </a:rPr>
+              <a:t> RedisTemplate&lt;String, Object&gt; </a:t>
+            </a:r>
+            <a:r>
+              <a:rPr lang="en-IN" sz="1200" b="1" i="0" dirty="0">
+                <a:solidFill>
+                  <a:srgbClr val="267438"/>
+                </a:solidFill>
+                <a:effectLst/>
+                <a:latin typeface="Source Code Pro" panose="020B0509030403020204" pitchFamily="49" charset="0"/>
+              </a:rPr>
+              <a:t>redisTemplate</a:t>
+            </a:r>
+            <a:r>
+              <a:rPr lang="en-IN" sz="1200" b="0" i="0" dirty="0">
+                <a:solidFill>
+                  <a:srgbClr val="000000"/>
+                </a:solidFill>
+                <a:effectLst/>
+                <a:latin typeface="Source Code Pro" panose="020B0509030403020204" pitchFamily="49" charset="0"/>
+              </a:rPr>
+              <a:t>() { </a:t>
+            </a:r>
+          </a:p>
+          <a:p>
+            <a:pPr marL="0" indent="0">
+              <a:buNone/>
+            </a:pPr>
+            <a:r>
+              <a:rPr lang="en-IN" sz="1200" b="0" i="0">
+                <a:solidFill>
+                  <a:srgbClr val="000000"/>
+                </a:solidFill>
+                <a:effectLst/>
+                <a:latin typeface="Source Code Pro" panose="020B0509030403020204" pitchFamily="49" charset="0"/>
+              </a:rPr>
+              <a:t>RedisTemplate</a:t>
+            </a:r>
+            <a:r>
+              <a:rPr lang="en-IN" sz="1200" b="0" i="0" dirty="0">
+                <a:solidFill>
+                  <a:srgbClr val="000000"/>
+                </a:solidFill>
+                <a:effectLst/>
+                <a:latin typeface="Source Code Pro" panose="020B0509030403020204" pitchFamily="49" charset="0"/>
+              </a:rPr>
+              <a:t>&lt;String, Object&gt; template = </a:t>
+            </a:r>
+            <a:r>
+              <a:rPr lang="en-IN" sz="1200" b="1" i="0" dirty="0">
+                <a:solidFill>
+                  <a:srgbClr val="63B175"/>
+                </a:solidFill>
+                <a:effectLst/>
+                <a:latin typeface="Source Code Pro" panose="020B0509030403020204" pitchFamily="49" charset="0"/>
+              </a:rPr>
+              <a:t>new</a:t>
+            </a:r>
+            <a:r>
+              <a:rPr lang="en-IN" sz="1200" b="0" i="0" dirty="0">
+                <a:solidFill>
+                  <a:srgbClr val="000000"/>
+                </a:solidFill>
+                <a:effectLst/>
+                <a:latin typeface="Source Code Pro" panose="020B0509030403020204" pitchFamily="49" charset="0"/>
+              </a:rPr>
               <a:t> </a:t>
             </a:r>
             <a:r>
-              <a:rPr lang="en-IN" sz="1200" b="0" i="0" dirty="0" err="1">
+              <a:rPr lang="en-IN" sz="1200" b="1" i="0" dirty="0">
+                <a:solidFill>
+                  <a:srgbClr val="267438"/>
+                </a:solidFill>
+                <a:effectLst/>
+                <a:latin typeface="Source Code Pro" panose="020B0509030403020204" pitchFamily="49" charset="0"/>
+              </a:rPr>
+              <a:t>RedisTemplate</a:t>
+            </a:r>
+            <a:r>
+              <a:rPr lang="en-IN" sz="1200" b="0" i="0">
                 <a:solidFill>
                   <a:srgbClr val="000000"/>
                 </a:solidFill>
                 <a:effectLst/>
                 <a:latin typeface="Source Code Pro" panose="020B0509030403020204" pitchFamily="49" charset="0"/>
               </a:rPr>
-              <a:t>RedisTemplate</a:t>
+              <a:t>&lt;&gt;(); </a:t>
+            </a:r>
+          </a:p>
+          <a:p>
+            <a:pPr marL="0" indent="0">
+              <a:buNone/>
+            </a:pPr>
+            <a:r>
+              <a:rPr lang="en-IN" sz="1200" b="0" i="0">
+                <a:solidFill>
+                  <a:srgbClr val="000000"/>
+                </a:solidFill>
+                <a:effectLst/>
+                <a:latin typeface="Source Code Pro" panose="020B0509030403020204" pitchFamily="49" charset="0"/>
+              </a:rPr>
+              <a:t>template</a:t>
             </a:r>
             <a:r>
               <a:rPr lang="en-IN" sz="1200" b="0" i="0" dirty="0">
@@ -4116,17 +4425,87 @@
                 <a:effectLst/>
                 <a:latin typeface="Source Code Pro" panose="020B0509030403020204" pitchFamily="49" charset="0"/>
               </a:rPr>
-              <a:t>&lt;String, Object&gt; </a:t>
-            </a:r>
-            <a:r>
-              <a:rPr lang="en-IN" sz="1200" b="1" i="0" dirty="0" err="1">
+              <a:t>.setConnectionFactory(</a:t>
+            </a:r>
+            <a:r>
+              <a:rPr lang="en-IN" sz="1200" b="0" i="0">
+                <a:solidFill>
+                  <a:srgbClr val="000000"/>
+                </a:solidFill>
+                <a:effectLst/>
+                <a:latin typeface="Source Code Pro" panose="020B0509030403020204" pitchFamily="49" charset="0"/>
+              </a:rPr>
+              <a:t>jedisConnectionFactory());</a:t>
+            </a:r>
+          </a:p>
+          <a:p>
+            <a:pPr marL="0" indent="0">
+              <a:buNone/>
+            </a:pPr>
+            <a:r>
+              <a:rPr lang="en-IN" sz="1200" b="0" i="0" dirty="0">
+                <a:solidFill>
+                  <a:srgbClr val="000000"/>
+                </a:solidFill>
+                <a:effectLst/>
+                <a:latin typeface="Source Code Pro" panose="020B0509030403020204" pitchFamily="49" charset="0"/>
+              </a:rPr>
+              <a:t> </a:t>
+            </a:r>
+            <a:r>
+              <a:rPr lang="en-IN" sz="1200" b="1" i="0" dirty="0">
+                <a:solidFill>
+                  <a:srgbClr val="63B175"/>
+                </a:solidFill>
+                <a:effectLst/>
+                <a:latin typeface="Source Code Pro" panose="020B0509030403020204" pitchFamily="49" charset="0"/>
+              </a:rPr>
+              <a:t>return</a:t>
+            </a:r>
+            <a:r>
+              <a:rPr lang="en-IN" sz="1200" b="0" i="0" dirty="0">
+                <a:solidFill>
+                  <a:srgbClr val="000000"/>
+                </a:solidFill>
+                <a:effectLst/>
+                <a:latin typeface="Source Code Pro" panose="020B0509030403020204" pitchFamily="49" charset="0"/>
+              </a:rPr>
+              <a:t> template; }</a:t>
+            </a:r>
+          </a:p>
+          <a:p>
+            <a:pPr marL="0" indent="0">
+              <a:buNone/>
+            </a:pPr>
+            <a:r>
+              <a:rPr lang="en-IN" sz="1200" b="0" i="0" dirty="0">
+                <a:solidFill>
+                  <a:srgbClr val="1F7199"/>
+                </a:solidFill>
+                <a:effectLst/>
+                <a:latin typeface="Source Code Pro" panose="020B0509030403020204" pitchFamily="49" charset="0"/>
+              </a:rPr>
+              <a:t>@Bean</a:t>
+            </a:r>
+            <a:r>
+              <a:rPr lang="en-IN" sz="1200" b="0" i="0" dirty="0">
+                <a:solidFill>
+                  <a:srgbClr val="000000"/>
+                </a:solidFill>
+                <a:effectLst/>
+                <a:latin typeface="Source Code Pro" panose="020B0509030403020204" pitchFamily="49" charset="0"/>
+              </a:rPr>
+              <a:t> JedisConnectionFactory </a:t>
+            </a:r>
+            <a:r>
+              <a:rPr lang="en-IN" sz="1200" b="1" i="0" dirty="0">
                 <a:solidFill>
                   <a:srgbClr val="267438"/>
                 </a:solidFill>
                 <a:effectLst/>
                 <a:latin typeface="Source Code Pro" panose="020B0509030403020204" pitchFamily="49" charset="0"/>
               </a:rPr>
-              <a:t>redisTemplate</a:t>
+              <a:t>jedisConnectionFactory</a:t>
             </a:r>
             <a:r>
               <a:rPr lang="en-IN" sz="1200" b="0" i="0" dirty="0">
@@ -4138,25 +4517,50 @@
               </a:rPr>
               <a:t>() { </a:t>
             </a:r>
-            <a:r>
-              <a:rPr lang="en-IN" sz="1200" b="0" i="0" dirty="0" err="1">
+          </a:p>
+          <a:p>
+            <a:pPr marL="0" indent="0">
+              <a:buNone/>
+            </a:pPr>
+            <a:r>
+              <a:rPr lang="en-IN" sz="1200" b="1" i="0" dirty="0">
+                <a:solidFill>
+                  <a:srgbClr val="4E9359"/>
+                </a:solidFill>
+                <a:effectLst/>
+                <a:latin typeface="Source Code Pro" panose="020B0509030403020204" pitchFamily="49" charset="0"/>
+              </a:rPr>
+              <a:t>JedisConnectionFactory</a:t>
+            </a:r>
+            <a:r>
+              <a:rPr lang="en-IN" sz="1200" b="0" i="0" dirty="0">
                 <a:solidFill>
                   <a:srgbClr val="000000"/>
                 </a:solidFill>
                 <a:effectLst/>
                 <a:latin typeface="Source Code Pro" panose="020B0509030403020204" pitchFamily="49" charset="0"/>
               </a:rPr>
-              <a:t>RedisTemplate</a:t>
+              <a:t> </a:t>
             </a:r>
             <a:r>
               <a:rPr lang="en-IN" sz="1200" b="0" i="0" dirty="0">
                 <a:solidFill>
+                  <a:srgbClr val="BC6060"/>
+                </a:solidFill>
+                <a:effectLst/>
+                <a:latin typeface="Source Code Pro" panose="020B0509030403020204" pitchFamily="49" charset="0"/>
+              </a:rPr>
+              <a:t>jedisConFactory</a:t>
+            </a:r>
+            <a:r>
+              <a:rPr lang="en-IN" sz="1200" b="0" i="0" dirty="0">
+                <a:solidFill>
                   <a:srgbClr val="000000"/>
                 </a:solidFill>
                 <a:effectLst/>
                 <a:latin typeface="Source Code Pro" panose="020B0509030403020204" pitchFamily="49" charset="0"/>
               </a:rPr>
-              <a:t>&lt;String, Object&gt; template = </a:t>
+              <a:t> = </a:t>
             </a:r>
             <a:r>
               <a:rPr lang="en-IN" sz="1200" b="1" i="0" dirty="0">
@@ -4179,14 +4583,14 @@
               <a:t> </a:t>
             </a:r>
             <a:r>
-              <a:rPr lang="en-IN" sz="1200" b="1" i="0" dirty="0" err="1">
+              <a:rPr lang="en-IN" sz="1200" b="1" i="0" dirty="0">
                 <a:solidFill>
                   <a:srgbClr val="267438"/>
                 </a:solidFill>
                 <a:effectLst/>
                 <a:latin typeface="Source Code Pro" panose="020B0509030403020204" pitchFamily="49" charset="0"/>
               </a:rPr>
-              <a:t>RedisTemplate</a:t>
+              <a:t>JedisConnectionFactory</a:t>
             </a:r>
             <a:r>
               <a:rPr lang="en-IN" sz="1200" b="0" i="0" dirty="0">
@@ -4196,47 +4600,92 @@
                 <a:effectLst/>
                 <a:latin typeface="Source Code Pro" panose="020B0509030403020204" pitchFamily="49" charset="0"/>
               </a:rPr>
-              <a:t>&lt;&gt;(); </a:t>
-            </a:r>
-            <a:r>
-              <a:rPr lang="en-IN" sz="1200" b="0" i="0" dirty="0" err="1">
+              <a:t>();</a:t>
+            </a:r>
+          </a:p>
+          <a:p>
+            <a:pPr marL="0" indent="0">
+              <a:buNone/>
+            </a:pPr>
+            <a:r>
+              <a:rPr lang="en-IN" sz="1200" b="0" i="0" dirty="0">
                 <a:solidFill>
                   <a:srgbClr val="000000"/>
                 </a:solidFill>
                 <a:effectLst/>
                 <a:latin typeface="Source Code Pro" panose="020B0509030403020204" pitchFamily="49" charset="0"/>
               </a:rPr>
-              <a:t>template.setConnectionFactory</a:t>
+              <a:t> jedisConFactory.setHostName(</a:t>
             </a:r>
             <a:r>
               <a:rPr lang="en-IN" sz="1200" b="0" i="0" dirty="0">
                 <a:solidFill>
+                  <a:srgbClr val="4E9359"/>
+                </a:solidFill>
+                <a:effectLst/>
+                <a:latin typeface="Source Code Pro" panose="020B0509030403020204" pitchFamily="49" charset="0"/>
+              </a:rPr>
+              <a:t>"localhost"</a:t>
+            </a:r>
+            <a:r>
+              <a:rPr lang="en-IN" sz="1200" b="0" i="0" dirty="0">
+                <a:solidFill>
                   <a:srgbClr val="000000"/>
                 </a:solidFill>
                 <a:effectLst/>
                 <a:latin typeface="Source Code Pro" panose="020B0509030403020204" pitchFamily="49" charset="0"/>
               </a:rPr>
-              <a:t>(</a:t>
-            </a:r>
-            <a:r>
-              <a:rPr lang="en-IN" sz="1200" b="0" i="0" dirty="0" err="1">
+              <a:t>); </a:t>
+            </a:r>
+          </a:p>
+          <a:p>
+            <a:pPr marL="0" indent="0">
+              <a:buNone/>
+            </a:pPr>
+            <a:r>
+              <a:rPr lang="en-IN" sz="1200" b="0" i="0" dirty="0">
                 <a:solidFill>
                   <a:srgbClr val="000000"/>
                 </a:solidFill>
                 <a:effectLst/>
                 <a:latin typeface="Source Code Pro" panose="020B0509030403020204" pitchFamily="49" charset="0"/>
               </a:rPr>
-              <a:t>jedisConnectionFactory</a:t>
+              <a:t>jedisConFactory.setPort(</a:t>
             </a:r>
             <a:r>
               <a:rPr lang="en-IN" sz="1200" b="0" i="0" dirty="0">
                 <a:solidFill>
+                  <a:srgbClr val="4E9359"/>
+                </a:solidFill>
+                <a:effectLst/>
+                <a:latin typeface="Source Code Pro" panose="020B0509030403020204" pitchFamily="49" charset="0"/>
+              </a:rPr>
+              <a:t>6379</a:t>
+            </a:r>
+            <a:r>
+              <a:rPr lang="en-IN" sz="1200" b="0" i="0" dirty="0">
+                <a:solidFill>
                   <a:srgbClr val="000000"/>
                 </a:solidFill>
                 <a:effectLst/>
                 <a:latin typeface="Source Code Pro" panose="020B0509030403020204" pitchFamily="49" charset="0"/>
               </a:rPr>
-              <a:t>()); </a:t>
+              <a:t>);</a:t>
+            </a:r>
+          </a:p>
+          <a:p>
+            <a:pPr marL="0" indent="0">
+              <a:buNone/>
+            </a:pPr>
+            <a:r>
+              <a:rPr lang="en-IN" sz="1200" b="0" i="0" dirty="0">
+                <a:solidFill>
+                  <a:srgbClr val="000000"/>
+                </a:solidFill>
+                <a:effectLst/>
+                <a:latin typeface="Source Code Pro" panose="020B0509030403020204" pitchFamily="49" charset="0"/>
+              </a:rPr>
+              <a:t> </a:t>
             </a:r>
             <a:r>
               <a:rPr lang="en-IN" sz="1200" b="1" i="0" dirty="0">
@@ -4256,272 +4705,7 @@
                 <a:effectLst/>
                 <a:latin typeface="Source Code Pro" panose="020B0509030403020204" pitchFamily="49" charset="0"/>
               </a:rPr>
-              <a:t> template; }</a:t>
-            </a:r>
-          </a:p>
-          <a:p>
-            <a:pPr marL="0" indent="0">
-              <a:buNone/>
-            </a:pPr>
-            <a:r>
-              <a:rPr lang="en-IN" sz="1200" b="0" i="0" dirty="0">
-                <a:solidFill>
-                  <a:srgbClr val="1F7199"/>
-                </a:solidFill>
-                <a:effectLst/>
-                <a:latin typeface="Source Code Pro" panose="020B0509030403020204" pitchFamily="49" charset="0"/>
-              </a:rPr>
-              <a:t>@Bean</a:t>
-            </a:r>
-            <a:r>
-              <a:rPr lang="en-IN" sz="1200" b="0" i="0" dirty="0">
-                <a:solidFill>
-                  <a:srgbClr val="000000"/>
-                </a:solidFill>
-                <a:effectLst/>
-                <a:latin typeface="Source Code Pro" panose="020B0509030403020204" pitchFamily="49" charset="0"/>
-              </a:rPr>
-              <a:t> </a:t>
-            </a:r>
-            <a:r>
-              <a:rPr lang="en-IN" sz="1200" b="0" i="0" dirty="0" err="1">
-                <a:solidFill>
-                  <a:srgbClr val="000000"/>
-                </a:solidFill>
-                <a:effectLst/>
-                <a:latin typeface="Source Code Pro" panose="020B0509030403020204" pitchFamily="49" charset="0"/>
-              </a:rPr>
-              <a:t>JedisConnectionFactory</a:t>
-            </a:r>
-            <a:r>
-              <a:rPr lang="en-IN" sz="1200" b="0" i="0" dirty="0">
-                <a:solidFill>
-                  <a:srgbClr val="000000"/>
-                </a:solidFill>
-                <a:effectLst/>
-                <a:latin typeface="Source Code Pro" panose="020B0509030403020204" pitchFamily="49" charset="0"/>
-              </a:rPr>
-              <a:t> </a:t>
-            </a:r>
-            <a:r>
-              <a:rPr lang="en-IN" sz="1200" b="1" i="0" dirty="0" err="1">
-                <a:solidFill>
-                  <a:srgbClr val="267438"/>
-                </a:solidFill>
-                <a:effectLst/>
-                <a:latin typeface="Source Code Pro" panose="020B0509030403020204" pitchFamily="49" charset="0"/>
-              </a:rPr>
-              <a:t>jedisConnectionFactory</a:t>
-            </a:r>
-            <a:r>
-              <a:rPr lang="en-IN" sz="1200" b="0" i="0" dirty="0">
-                <a:solidFill>
-                  <a:srgbClr val="000000"/>
-                </a:solidFill>
-                <a:effectLst/>
-                <a:latin typeface="Source Code Pro" panose="020B0509030403020204" pitchFamily="49" charset="0"/>
-              </a:rPr>
-              <a:t>() { </a:t>
-            </a:r>
-            <a:r>
-              <a:rPr lang="en-IN" sz="1200" b="1" i="0" dirty="0" err="1">
-                <a:solidFill>
-                  <a:srgbClr val="4E9359"/>
-                </a:solidFill>
-                <a:effectLst/>
-                <a:latin typeface="Source Code Pro" panose="020B0509030403020204" pitchFamily="49" charset="0"/>
-              </a:rPr>
-              <a:t>JedisConnectionFactory</a:t>
-            </a:r>
-            <a:r>
-              <a:rPr lang="en-IN" sz="1200" b="0" i="0" dirty="0">
-                <a:solidFill>
-                  <a:srgbClr val="000000"/>
-                </a:solidFill>
-                <a:effectLst/>
-                <a:latin typeface="Source Code Pro" panose="020B0509030403020204" pitchFamily="49" charset="0"/>
-              </a:rPr>
-              <a:t> </a:t>
-            </a:r>
-            <a:r>
-              <a:rPr lang="en-IN" sz="1200" b="0" i="0" dirty="0" err="1">
-                <a:solidFill>
-                  <a:srgbClr val="BC6060"/>
-                </a:solidFill>
-                <a:effectLst/>
-                <a:latin typeface="Source Code Pro" panose="020B0509030403020204" pitchFamily="49" charset="0"/>
-              </a:rPr>
-              <a:t>jedisConFactory</a:t>
-            </a:r>
-            <a:r>
-              <a:rPr lang="en-IN" sz="1200" b="0" i="0" dirty="0">
-                <a:solidFill>
-                  <a:srgbClr val="000000"/>
-                </a:solidFill>
-                <a:effectLst/>
-                <a:latin typeface="Source Code Pro" panose="020B0509030403020204" pitchFamily="49" charset="0"/>
-              </a:rPr>
-              <a:t> = </a:t>
-            </a:r>
-            <a:r>
-              <a:rPr lang="en-IN" sz="1200" b="1" i="0" dirty="0">
-                <a:solidFill>
-                  <a:srgbClr val="63B175"/>
-                </a:solidFill>
-                <a:effectLst/>
-                <a:latin typeface="Source Code Pro" panose="020B0509030403020204" pitchFamily="49" charset="0"/>
-              </a:rPr>
-              <a:t>new</a:t>
-            </a:r>
-            <a:r>
-              <a:rPr lang="en-IN" sz="1200" b="0" i="0" dirty="0">
-                <a:solidFill>
-                  <a:srgbClr val="000000"/>
-                </a:solidFill>
-                <a:effectLst/>
-                <a:latin typeface="Source Code Pro" panose="020B0509030403020204" pitchFamily="49" charset="0"/>
-              </a:rPr>
-              <a:t> </a:t>
-            </a:r>
-            <a:r>
-              <a:rPr lang="en-IN" sz="1200" b="1" i="0" dirty="0" err="1">
-                <a:solidFill>
-                  <a:srgbClr val="267438"/>
-                </a:solidFill>
-                <a:effectLst/>
-                <a:latin typeface="Source Code Pro" panose="020B0509030403020204" pitchFamily="49" charset="0"/>
-              </a:rPr>
-              <a:t>JedisConnectionFactory</a:t>
-            </a:r>
-            <a:r>
-              <a:rPr lang="en-IN" sz="1200" b="0" i="0" dirty="0">
-                <a:solidFill>
-                  <a:srgbClr val="000000"/>
-                </a:solidFill>
-                <a:effectLst/>
-                <a:latin typeface="Source Code Pro" panose="020B0509030403020204" pitchFamily="49" charset="0"/>
-              </a:rPr>
-              <a:t>(); </a:t>
-            </a:r>
-            <a:r>
-              <a:rPr lang="en-IN" sz="1200" b="0" i="0" dirty="0" err="1">
-                <a:solidFill>
-                  <a:srgbClr val="000000"/>
-                </a:solidFill>
-                <a:effectLst/>
-                <a:latin typeface="Source Code Pro" panose="020B0509030403020204" pitchFamily="49" charset="0"/>
-              </a:rPr>
-              <a:t>jedisConFactory.setHostName</a:t>
-            </a:r>
-            <a:r>
-              <a:rPr lang="en-IN" sz="1200" b="0" i="0" dirty="0">
-                <a:solidFill>
-                  <a:srgbClr val="000000"/>
-                </a:solidFill>
-                <a:effectLst/>
-                <a:latin typeface="Source Code Pro" panose="020B0509030403020204" pitchFamily="49" charset="0"/>
-              </a:rPr>
-              <a:t>(</a:t>
-            </a:r>
-            <a:r>
-              <a:rPr lang="en-IN" sz="1200" b="0" i="0" dirty="0">
-                <a:solidFill>
-                  <a:srgbClr val="4E9359"/>
-                </a:solidFill>
-                <a:effectLst/>
-                <a:latin typeface="Source Code Pro" panose="020B0509030403020204" pitchFamily="49" charset="0"/>
-              </a:rPr>
-              <a:t>"localhost"</a:t>
-            </a:r>
-            <a:r>
-              <a:rPr lang="en-IN" sz="1200" b="0" i="0" dirty="0">
-                <a:solidFill>
-                  <a:srgbClr val="000000"/>
-                </a:solidFill>
-                <a:effectLst/>
-                <a:latin typeface="Source Code Pro" panose="020B0509030403020204" pitchFamily="49" charset="0"/>
-              </a:rPr>
-              <a:t>); </a:t>
-            </a:r>
-            <a:r>
-              <a:rPr lang="en-IN" sz="1200" b="0" i="0" dirty="0" err="1">
-                <a:solidFill>
-                  <a:srgbClr val="000000"/>
-                </a:solidFill>
-                <a:effectLst/>
-                <a:latin typeface="Source Code Pro" panose="020B0509030403020204" pitchFamily="49" charset="0"/>
-              </a:rPr>
-              <a:t>jedisConFactory.setPort</a:t>
-            </a:r>
-            <a:r>
-              <a:rPr lang="en-IN" sz="1200" b="0" i="0" dirty="0">
-                <a:solidFill>
-                  <a:srgbClr val="000000"/>
-                </a:solidFill>
-                <a:effectLst/>
-                <a:latin typeface="Source Code Pro" panose="020B0509030403020204" pitchFamily="49" charset="0"/>
-              </a:rPr>
-              <a:t>(</a:t>
-            </a:r>
-            <a:r>
-              <a:rPr lang="en-IN" sz="1200" b="0" i="0" dirty="0">
-                <a:solidFill>
-                  <a:srgbClr val="4E9359"/>
-                </a:solidFill>
-                <a:effectLst/>
-                <a:latin typeface="Source Code Pro" panose="020B0509030403020204" pitchFamily="49" charset="0"/>
-              </a:rPr>
-              <a:t>6379</a:t>
-            </a:r>
-            <a:r>
-              <a:rPr lang="en-IN" sz="1200" b="0" i="0" dirty="0">
-                <a:solidFill>
-                  <a:srgbClr val="000000"/>
-                </a:solidFill>
-                <a:effectLst/>
-                <a:latin typeface="Source Code Pro" panose="020B0509030403020204" pitchFamily="49" charset="0"/>
-              </a:rPr>
-              <a:t>); </a:t>
-            </a:r>
-            <a:r>
-              <a:rPr lang="en-IN" sz="1200" b="1" i="0" dirty="0">
-                <a:solidFill>
-                  <a:srgbClr val="63B175"/>
-                </a:solidFill>
-                <a:effectLst/>
-                <a:latin typeface="Source Code Pro" panose="020B0509030403020204" pitchFamily="49" charset="0"/>
-              </a:rPr>
-              <a:t>return</a:t>
-            </a:r>
-            <a:r>
-              <a:rPr lang="en-IN" sz="1200" b="0" i="0" dirty="0">
-                <a:solidFill>
-                  <a:srgbClr val="000000"/>
-                </a:solidFill>
-                <a:effectLst/>
-                <a:latin typeface="Source Code Pro" panose="020B0509030403020204" pitchFamily="49" charset="0"/>
-              </a:rPr>
-              <a:t> </a:t>
-            </a:r>
-            <a:r>
-              <a:rPr lang="en-IN" sz="1200" b="0" i="0" dirty="0" err="1">
-                <a:solidFill>
-                  <a:srgbClr val="000000"/>
-                </a:solidFill>
-                <a:effectLst/>
-                <a:latin typeface="Source Code Pro" panose="020B0509030403020204" pitchFamily="49" charset="0"/>
-              </a:rPr>
-              <a:t>jedisConFactory</a:t>
-            </a:r>
-            <a:r>
-              <a:rPr lang="en-IN" sz="1200" b="0" i="0" dirty="0">
-                <a:solidFill>
-                  <a:srgbClr val="000000"/>
-                </a:solidFill>
-                <a:effectLst/>
-                <a:latin typeface="Source Code Pro" panose="020B0509030403020204" pitchFamily="49" charset="0"/>
-              </a:rPr>
-              <a:t>; }</a:t>
+              <a:t> jedisConFactory; }</a:t>
             </a:r>
           </a:p>
           <a:p>
@@ -4550,7 +4734,7 @@
               <a:t>we defined a </a:t>
             </a:r>
             <a:r>
-              <a:rPr lang="en-US" sz="1800" b="0" i="1" dirty="0" err="1">
+              <a:rPr lang="en-US" sz="1800" b="0" i="1" dirty="0">
                 <a:solidFill>
                   <a:srgbClr val="000000"/>
                 </a:solidFill>
@@ -4570,7 +4754,7 @@
               <a:t> using the </a:t>
             </a:r>
             <a:r>
-              <a:rPr lang="en-US" sz="1800" b="0" i="1" dirty="0" err="1">
+              <a:rPr lang="en-US" sz="1800" b="0" i="1" dirty="0">
                 <a:solidFill>
                   <a:srgbClr val="000000"/>
                 </a:solidFill>
@@ -4608,7 +4792,7 @@
 </p:sld>
 </file>
 
-<file path=ppt/slides/slide4.xml><?xml version="1.0" encoding="utf-8"?>
+<file path=ppt/slides/slide7.xml><?xml version="1.0" encoding="utf-8"?>
 <p:sld xmlns:a="http://schemas.openxmlformats.org/drawingml/2006/main" xmlns:r="http://schemas.openxmlformats.org/officeDocument/2006/relationships" xmlns:p="http://schemas.openxmlformats.org/presentationml/2006/main">
   <p:cSld>
     <p:spTree>
